--- a/DsDotNet/src/UnitTest/UnitTest.Model/ImportOfficeExample/Sample/Lib/Conveyor/CVRemove.pptx
+++ b/DsDotNet/src/UnitTest/UnitTest.Model/ImportOfficeExample/Sample/Lib/Conveyor/CVRemove.pptx
@@ -5,7 +5,8 @@
     <p:sldMasterId id="2147484557" r:id="rId1"/>
   </p:sldMasterIdLst>
   <p:sldIdLst>
-    <p:sldId id="527" r:id="rId2"/>
+    <p:sldId id="528" r:id="rId2"/>
+    <p:sldId id="527" r:id="rId3"/>
   </p:sldIdLst>
   <p:sldSz cx="12192000" cy="6858000"/>
   <p:notesSz cx="6858000" cy="9144000"/>
@@ -108,7 +109,9 @@
     <p:ext uri="{521415D9-36F7-43E2-AB2F-B90AF26B5E84}">
       <p14:sectionLst xmlns:p14="http://schemas.microsoft.com/office/powerpoint/2010/main">
         <p14:section name="기본 구역" id="{D3ACC491-5024-4D0E-9B71-D32C75844816}">
-          <p14:sldIdLst/>
+          <p14:sldIdLst>
+            <p14:sldId id="528"/>
+          </p14:sldIdLst>
         </p14:section>
         <p14:section name="DS" id="{5D5FBC23-C881-439C-8531-745659E5E09B}">
           <p14:sldIdLst>
@@ -3999,7 +4002,7 @@
           <a:effectLst/>
           <a:extLst>
             <a:ext uri="{91240B29-F687-4f45-9708-019B960494DF}">
-              <a14:hiddenLine xmlns="" xmlns:a14="http://schemas.microsoft.com/office/drawing/2010/main" w="9525">
+              <a14:hiddenLine xmlns:a14="http://schemas.microsoft.com/office/drawing/2010/main" xmlns="" w="9525">
                 <a:solidFill>
                   <a:srgbClr val="000000"/>
                 </a:solidFill>
@@ -4191,7 +4194,7 @@
           <a:p>
             <a:fld id="{3E1D827B-9946-4E0D-97BA-FFCB17A9AF00}" type="datetimeFigureOut">
               <a:rPr lang="ko-KR" altLang="en-US" smtClean="0"/>
-              <a:t>2023-09-15</a:t>
+              <a:t>2023-10-04</a:t>
             </a:fld>
             <a:endParaRPr lang="ko-KR" altLang="en-US"/>
           </a:p>
@@ -4509,7 +4512,7 @@
           <a:p>
             <a:fld id="{3E1D827B-9946-4E0D-97BA-FFCB17A9AF00}" type="datetimeFigureOut">
               <a:rPr lang="ko-KR" altLang="en-US" smtClean="0"/>
-              <a:t>2023-09-15</a:t>
+              <a:t>2023-10-04</a:t>
             </a:fld>
             <a:endParaRPr lang="ko-KR" altLang="en-US"/>
           </a:p>
@@ -4997,7 +5000,7 @@
           <a:p>
             <a:fld id="{3E1D827B-9946-4E0D-97BA-FFCB17A9AF00}" type="datetimeFigureOut">
               <a:rPr lang="ko-KR" altLang="en-US" smtClean="0"/>
-              <a:t>2023-09-15</a:t>
+              <a:t>2023-10-04</a:t>
             </a:fld>
             <a:endParaRPr lang="ko-KR" altLang="en-US"/>
           </a:p>
@@ -5366,7 +5369,7 @@
           <a:p>
             <a:fld id="{3E1D827B-9946-4E0D-97BA-FFCB17A9AF00}" type="datetimeFigureOut">
               <a:rPr lang="ko-KR" altLang="en-US" smtClean="0"/>
-              <a:t>2023-09-15</a:t>
+              <a:t>2023-10-04</a:t>
             </a:fld>
             <a:endParaRPr lang="ko-KR" altLang="en-US"/>
           </a:p>
@@ -5521,7 +5524,7 @@
           <a:ln/>
           <a:extLst>
             <a:ext uri="{91240B29-F687-4f45-9708-019B960494DF}">
-              <a14:hiddenLine xmlns="" xmlns:a14="http://schemas.microsoft.com/office/drawing/2010/main" w="9525">
+              <a14:hiddenLine xmlns:a14="http://schemas.microsoft.com/office/drawing/2010/main" xmlns="" w="9525">
                 <a:solidFill>
                   <a:srgbClr val="000000"/>
                 </a:solidFill>
@@ -5639,7 +5642,7 @@
           <a:p>
             <a:fld id="{3E1D827B-9946-4E0D-97BA-FFCB17A9AF00}" type="datetimeFigureOut">
               <a:rPr lang="ko-KR" altLang="en-US" smtClean="0"/>
-              <a:t>2023-09-15</a:t>
+              <a:t>2023-10-04</a:t>
             </a:fld>
             <a:endParaRPr lang="ko-KR" altLang="en-US"/>
           </a:p>
@@ -5796,7 +5799,7 @@
           <a:ln/>
           <a:extLst>
             <a:ext uri="{91240B29-F687-4f45-9708-019B960494DF}">
-              <a14:hiddenLine xmlns="" xmlns:a14="http://schemas.microsoft.com/office/drawing/2010/main" w="9525">
+              <a14:hiddenLine xmlns:a14="http://schemas.microsoft.com/office/drawing/2010/main" xmlns="" w="9525">
                 <a:solidFill>
                   <a:srgbClr val="000000"/>
                 </a:solidFill>
@@ -5924,7 +5927,7 @@
           <a:p>
             <a:fld id="{3E1D827B-9946-4E0D-97BA-FFCB17A9AF00}" type="datetimeFigureOut">
               <a:rPr lang="ko-KR" altLang="en-US" smtClean="0"/>
-              <a:t>2023-09-15</a:t>
+              <a:t>2023-10-04</a:t>
             </a:fld>
             <a:endParaRPr lang="ko-KR" altLang="en-US"/>
           </a:p>
@@ -6019,7 +6022,7 @@
           <a:p>
             <a:fld id="{3E1D827B-9946-4E0D-97BA-FFCB17A9AF00}" type="datetimeFigureOut">
               <a:rPr lang="ko-KR" altLang="en-US" smtClean="0"/>
-              <a:t>2023-09-15</a:t>
+              <a:t>2023-10-04</a:t>
             </a:fld>
             <a:endParaRPr lang="ko-KR" altLang="en-US"/>
           </a:p>
@@ -6244,7 +6247,7 @@
           <a:ln/>
           <a:extLst>
             <a:ext uri="{91240B29-F687-4f45-9708-019B960494DF}">
-              <a14:hiddenLine xmlns="" xmlns:a14="http://schemas.microsoft.com/office/drawing/2010/main" w="9525">
+              <a14:hiddenLine xmlns:a14="http://schemas.microsoft.com/office/drawing/2010/main" xmlns="" w="9525">
                 <a:solidFill>
                   <a:srgbClr val="000000"/>
                 </a:solidFill>
@@ -6372,7 +6375,7 @@
           <a:p>
             <a:fld id="{3E1D827B-9946-4E0D-97BA-FFCB17A9AF00}" type="datetimeFigureOut">
               <a:rPr lang="ko-KR" altLang="en-US" smtClean="0"/>
-              <a:t>2023-09-15</a:t>
+              <a:t>2023-10-04</a:t>
             </a:fld>
             <a:endParaRPr lang="ko-KR" altLang="en-US"/>
           </a:p>
@@ -6715,7 +6718,7 @@
           <a:p>
             <a:fld id="{3E1D827B-9946-4E0D-97BA-FFCB17A9AF00}" type="datetimeFigureOut">
               <a:rPr lang="ko-KR" altLang="en-US" smtClean="0"/>
-              <a:t>2023-09-15</a:t>
+              <a:t>2023-10-04</a:t>
             </a:fld>
             <a:endParaRPr lang="ko-KR" altLang="en-US"/>
           </a:p>
@@ -6870,7 +6873,7 @@
           <a:ln/>
           <a:extLst>
             <a:ext uri="{91240B29-F687-4f45-9708-019B960494DF}">
-              <a14:hiddenLine xmlns="" xmlns:a14="http://schemas.microsoft.com/office/drawing/2010/main" w="9525">
+              <a14:hiddenLine xmlns:a14="http://schemas.microsoft.com/office/drawing/2010/main" xmlns="" w="9525">
                 <a:solidFill>
                   <a:srgbClr val="000000"/>
                 </a:solidFill>
@@ -7054,7 +7057,7 @@
           <a:p>
             <a:fld id="{3E1D827B-9946-4E0D-97BA-FFCB17A9AF00}" type="datetimeFigureOut">
               <a:rPr lang="ko-KR" altLang="en-US" smtClean="0"/>
-              <a:t>2023-09-15</a:t>
+              <a:t>2023-10-04</a:t>
             </a:fld>
             <a:endParaRPr lang="ko-KR" altLang="en-US"/>
           </a:p>
@@ -7214,7 +7217,7 @@
           <a:ln/>
           <a:extLst>
             <a:ext uri="{91240B29-F687-4f45-9708-019B960494DF}">
-              <a14:hiddenLine xmlns="" xmlns:a14="http://schemas.microsoft.com/office/drawing/2010/main" w="9525">
+              <a14:hiddenLine xmlns:a14="http://schemas.microsoft.com/office/drawing/2010/main" xmlns="" w="9525">
                 <a:solidFill>
                   <a:srgbClr val="000000"/>
                 </a:solidFill>
@@ -7536,7 +7539,7 @@
           <a:p>
             <a:fld id="{3E1D827B-9946-4E0D-97BA-FFCB17A9AF00}" type="datetimeFigureOut">
               <a:rPr lang="ko-KR" altLang="en-US" smtClean="0"/>
-              <a:t>2023-09-15</a:t>
+              <a:t>2023-10-04</a:t>
             </a:fld>
             <a:endParaRPr lang="ko-KR" altLang="en-US"/>
           </a:p>
@@ -7696,7 +7699,7 @@
           <a:ln/>
           <a:extLst>
             <a:ext uri="{91240B29-F687-4f45-9708-019B960494DF}">
-              <a14:hiddenLine xmlns="" xmlns:a14="http://schemas.microsoft.com/office/drawing/2010/main" w="9525">
+              <a14:hiddenLine xmlns:a14="http://schemas.microsoft.com/office/drawing/2010/main" xmlns="" w="9525">
                 <a:solidFill>
                   <a:srgbClr val="000000"/>
                 </a:solidFill>
@@ -7762,7 +7765,7 @@
           <a:p>
             <a:fld id="{3E1D827B-9946-4E0D-97BA-FFCB17A9AF00}" type="datetimeFigureOut">
               <a:rPr lang="ko-KR" altLang="en-US" smtClean="0"/>
-              <a:t>2023-09-15</a:t>
+              <a:t>2023-10-04</a:t>
             </a:fld>
             <a:endParaRPr lang="ko-KR" altLang="en-US"/>
           </a:p>
@@ -7857,7 +7860,7 @@
           <a:p>
             <a:fld id="{3E1D827B-9946-4E0D-97BA-FFCB17A9AF00}" type="datetimeFigureOut">
               <a:rPr lang="ko-KR" altLang="en-US" smtClean="0"/>
-              <a:t>2023-09-15</a:t>
+              <a:t>2023-10-04</a:t>
             </a:fld>
             <a:endParaRPr lang="ko-KR" altLang="en-US"/>
           </a:p>
@@ -8125,7 +8128,7 @@
           <a:ln/>
           <a:extLst>
             <a:ext uri="{91240B29-F687-4f45-9708-019B960494DF}">
-              <a14:hiddenLine xmlns="" xmlns:a14="http://schemas.microsoft.com/office/drawing/2010/main" w="9525">
+              <a14:hiddenLine xmlns:a14="http://schemas.microsoft.com/office/drawing/2010/main" xmlns="" w="9525">
                 <a:solidFill>
                   <a:srgbClr val="000000"/>
                 </a:solidFill>
@@ -8324,7 +8327,7 @@
           <a:p>
             <a:fld id="{3E1D827B-9946-4E0D-97BA-FFCB17A9AF00}" type="datetimeFigureOut">
               <a:rPr lang="ko-KR" altLang="en-US" smtClean="0"/>
-              <a:t>2023-09-15</a:t>
+              <a:t>2023-10-04</a:t>
             </a:fld>
             <a:endParaRPr lang="ko-KR" altLang="en-US"/>
           </a:p>
@@ -8642,7 +8645,7 @@
           <a:p>
             <a:fld id="{3E1D827B-9946-4E0D-97BA-FFCB17A9AF00}" type="datetimeFigureOut">
               <a:rPr lang="ko-KR" altLang="en-US" smtClean="0"/>
-              <a:t>2023-09-15</a:t>
+              <a:t>2023-10-04</a:t>
             </a:fld>
             <a:endParaRPr lang="ko-KR" altLang="en-US"/>
           </a:p>
@@ -8912,7 +8915,7 @@
           <a:p>
             <a:fld id="{3E1D827B-9946-4E0D-97BA-FFCB17A9AF00}" type="datetimeFigureOut">
               <a:rPr lang="ko-KR" altLang="en-US" smtClean="0"/>
-              <a:t>2023-09-15</a:t>
+              <a:t>2023-10-04</a:t>
             </a:fld>
             <a:endParaRPr lang="ko-KR" altLang="en-US"/>
           </a:p>
@@ -9369,6 +9372,90 @@
       </p:grpSpPr>
       <p:sp>
         <p:nvSpPr>
+          <p:cNvPr id="2" name="제목 1">
+            <a:extLst>
+              <a:ext uri="{FF2B5EF4-FFF2-40B4-BE49-F238E27FC236}">
+                <a16:creationId xmlns:a16="http://schemas.microsoft.com/office/drawing/2014/main" id="{66FFBB5E-8EDB-C4A1-58AE-FB3856BC7556}"/>
+              </a:ext>
+            </a:extLst>
+          </p:cNvPr>
+          <p:cNvSpPr>
+            <a:spLocks noGrp="1"/>
+          </p:cNvSpPr>
+          <p:nvPr>
+            <p:ph type="ctrTitle"/>
+          </p:nvPr>
+        </p:nvSpPr>
+        <p:spPr/>
+        <p:txBody>
+          <a:bodyPr/>
+          <a:lstStyle/>
+          <a:p>
+            <a:r>
+              <a:rPr lang="en-US" altLang="ko-KR"/>
+              <a:t>CVRemove</a:t>
+            </a:r>
+            <a:endParaRPr lang="ko-KR" altLang="en-US"/>
+          </a:p>
+        </p:txBody>
+      </p:sp>
+      <p:sp>
+        <p:nvSpPr>
+          <p:cNvPr id="3" name="부제목 2">
+            <a:extLst>
+              <a:ext uri="{FF2B5EF4-FFF2-40B4-BE49-F238E27FC236}">
+                <a16:creationId xmlns:a16="http://schemas.microsoft.com/office/drawing/2014/main" id="{924F5B75-9049-342F-C90A-4EE5B598FB7F}"/>
+              </a:ext>
+            </a:extLst>
+          </p:cNvPr>
+          <p:cNvSpPr>
+            <a:spLocks noGrp="1"/>
+          </p:cNvSpPr>
+          <p:nvPr>
+            <p:ph type="subTitle" idx="1"/>
+          </p:nvPr>
+        </p:nvSpPr>
+        <p:spPr/>
+        <p:txBody>
+          <a:bodyPr/>
+          <a:lstStyle/>
+          <a:p>
+            <a:endParaRPr lang="ko-KR" altLang="en-US"/>
+          </a:p>
+        </p:txBody>
+      </p:sp>
+    </p:spTree>
+    <p:extLst>
+      <p:ext uri="{BB962C8B-B14F-4D97-AF65-F5344CB8AC3E}">
+        <p14:creationId xmlns:p14="http://schemas.microsoft.com/office/powerpoint/2010/main" val="1215191430"/>
+      </p:ext>
+    </p:extLst>
+  </p:cSld>
+  <p:clrMapOvr>
+    <a:masterClrMapping/>
+  </p:clrMapOvr>
+</p:sld>
+</file>
+
+<file path=ppt/slides/slide2.xml><?xml version="1.0" encoding="utf-8"?>
+<p:sld xmlns:a="http://schemas.openxmlformats.org/drawingml/2006/main" xmlns:r="http://schemas.openxmlformats.org/officeDocument/2006/relationships" xmlns:p="http://schemas.openxmlformats.org/presentationml/2006/main">
+  <p:cSld>
+    <p:spTree>
+      <p:nvGrpSpPr>
+        <p:cNvPr id="1" name=""/>
+        <p:cNvGrpSpPr/>
+        <p:nvPr/>
+      </p:nvGrpSpPr>
+      <p:grpSpPr>
+        <a:xfrm>
+          <a:off x="0" y="0"/>
+          <a:ext cx="0" cy="0"/>
+          <a:chOff x="0" y="0"/>
+          <a:chExt cx="0" cy="0"/>
+        </a:xfrm>
+      </p:grpSpPr>
+      <p:sp>
+        <p:nvSpPr>
           <p:cNvPr id="4" name="제목 3">
             <a:extLst>
               <a:ext uri="{FF2B5EF4-FFF2-40B4-BE49-F238E27FC236}">

--- a/DsDotNet/src/UnitTest/UnitTest.Model/ImportOfficeExample/Sample/Lib/Conveyor/CVRemove.pptx
+++ b/DsDotNet/src/UnitTest/UnitTest.Model/ImportOfficeExample/Sample/Lib/Conveyor/CVRemove.pptx
@@ -4002,7 +4002,7 @@
           <a:effectLst/>
           <a:extLst>
             <a:ext uri="{91240B29-F687-4f45-9708-019B960494DF}">
-              <a14:hiddenLine xmlns:a14="http://schemas.microsoft.com/office/drawing/2010/main" xmlns="" w="9525">
+              <a14:hiddenLine xmlns="" xmlns:a14="http://schemas.microsoft.com/office/drawing/2010/main" w="9525">
                 <a:solidFill>
                   <a:srgbClr val="000000"/>
                 </a:solidFill>
@@ -4194,7 +4194,7 @@
           <a:p>
             <a:fld id="{3E1D827B-9946-4E0D-97BA-FFCB17A9AF00}" type="datetimeFigureOut">
               <a:rPr lang="ko-KR" altLang="en-US" smtClean="0"/>
-              <a:t>2023-10-04</a:t>
+              <a:t>2023-11-16</a:t>
             </a:fld>
             <a:endParaRPr lang="ko-KR" altLang="en-US"/>
           </a:p>
@@ -4512,7 +4512,7 @@
           <a:p>
             <a:fld id="{3E1D827B-9946-4E0D-97BA-FFCB17A9AF00}" type="datetimeFigureOut">
               <a:rPr lang="ko-KR" altLang="en-US" smtClean="0"/>
-              <a:t>2023-10-04</a:t>
+              <a:t>2023-11-16</a:t>
             </a:fld>
             <a:endParaRPr lang="ko-KR" altLang="en-US"/>
           </a:p>
@@ -5000,7 +5000,7 @@
           <a:p>
             <a:fld id="{3E1D827B-9946-4E0D-97BA-FFCB17A9AF00}" type="datetimeFigureOut">
               <a:rPr lang="ko-KR" altLang="en-US" smtClean="0"/>
-              <a:t>2023-10-04</a:t>
+              <a:t>2023-11-16</a:t>
             </a:fld>
             <a:endParaRPr lang="ko-KR" altLang="en-US"/>
           </a:p>
@@ -5369,7 +5369,7 @@
           <a:p>
             <a:fld id="{3E1D827B-9946-4E0D-97BA-FFCB17A9AF00}" type="datetimeFigureOut">
               <a:rPr lang="ko-KR" altLang="en-US" smtClean="0"/>
-              <a:t>2023-10-04</a:t>
+              <a:t>2023-11-16</a:t>
             </a:fld>
             <a:endParaRPr lang="ko-KR" altLang="en-US"/>
           </a:p>
@@ -5524,7 +5524,7 @@
           <a:ln/>
           <a:extLst>
             <a:ext uri="{91240B29-F687-4f45-9708-019B960494DF}">
-              <a14:hiddenLine xmlns:a14="http://schemas.microsoft.com/office/drawing/2010/main" xmlns="" w="9525">
+              <a14:hiddenLine xmlns="" xmlns:a14="http://schemas.microsoft.com/office/drawing/2010/main" w="9525">
                 <a:solidFill>
                   <a:srgbClr val="000000"/>
                 </a:solidFill>
@@ -5642,7 +5642,7 @@
           <a:p>
             <a:fld id="{3E1D827B-9946-4E0D-97BA-FFCB17A9AF00}" type="datetimeFigureOut">
               <a:rPr lang="ko-KR" altLang="en-US" smtClean="0"/>
-              <a:t>2023-10-04</a:t>
+              <a:t>2023-11-16</a:t>
             </a:fld>
             <a:endParaRPr lang="ko-KR" altLang="en-US"/>
           </a:p>
@@ -5799,7 +5799,7 @@
           <a:ln/>
           <a:extLst>
             <a:ext uri="{91240B29-F687-4f45-9708-019B960494DF}">
-              <a14:hiddenLine xmlns:a14="http://schemas.microsoft.com/office/drawing/2010/main" xmlns="" w="9525">
+              <a14:hiddenLine xmlns="" xmlns:a14="http://schemas.microsoft.com/office/drawing/2010/main" w="9525">
                 <a:solidFill>
                   <a:srgbClr val="000000"/>
                 </a:solidFill>
@@ -5927,7 +5927,7 @@
           <a:p>
             <a:fld id="{3E1D827B-9946-4E0D-97BA-FFCB17A9AF00}" type="datetimeFigureOut">
               <a:rPr lang="ko-KR" altLang="en-US" smtClean="0"/>
-              <a:t>2023-10-04</a:t>
+              <a:t>2023-11-16</a:t>
             </a:fld>
             <a:endParaRPr lang="ko-KR" altLang="en-US"/>
           </a:p>
@@ -6022,7 +6022,7 @@
           <a:p>
             <a:fld id="{3E1D827B-9946-4E0D-97BA-FFCB17A9AF00}" type="datetimeFigureOut">
               <a:rPr lang="ko-KR" altLang="en-US" smtClean="0"/>
-              <a:t>2023-10-04</a:t>
+              <a:t>2023-11-16</a:t>
             </a:fld>
             <a:endParaRPr lang="ko-KR" altLang="en-US"/>
           </a:p>
@@ -6247,7 +6247,7 @@
           <a:ln/>
           <a:extLst>
             <a:ext uri="{91240B29-F687-4f45-9708-019B960494DF}">
-              <a14:hiddenLine xmlns:a14="http://schemas.microsoft.com/office/drawing/2010/main" xmlns="" w="9525">
+              <a14:hiddenLine xmlns="" xmlns:a14="http://schemas.microsoft.com/office/drawing/2010/main" w="9525">
                 <a:solidFill>
                   <a:srgbClr val="000000"/>
                 </a:solidFill>
@@ -6375,7 +6375,7 @@
           <a:p>
             <a:fld id="{3E1D827B-9946-4E0D-97BA-FFCB17A9AF00}" type="datetimeFigureOut">
               <a:rPr lang="ko-KR" altLang="en-US" smtClean="0"/>
-              <a:t>2023-10-04</a:t>
+              <a:t>2023-11-16</a:t>
             </a:fld>
             <a:endParaRPr lang="ko-KR" altLang="en-US"/>
           </a:p>
@@ -6718,7 +6718,7 @@
           <a:p>
             <a:fld id="{3E1D827B-9946-4E0D-97BA-FFCB17A9AF00}" type="datetimeFigureOut">
               <a:rPr lang="ko-KR" altLang="en-US" smtClean="0"/>
-              <a:t>2023-10-04</a:t>
+              <a:t>2023-11-16</a:t>
             </a:fld>
             <a:endParaRPr lang="ko-KR" altLang="en-US"/>
           </a:p>
@@ -6873,7 +6873,7 @@
           <a:ln/>
           <a:extLst>
             <a:ext uri="{91240B29-F687-4f45-9708-019B960494DF}">
-              <a14:hiddenLine xmlns:a14="http://schemas.microsoft.com/office/drawing/2010/main" xmlns="" w="9525">
+              <a14:hiddenLine xmlns="" xmlns:a14="http://schemas.microsoft.com/office/drawing/2010/main" w="9525">
                 <a:solidFill>
                   <a:srgbClr val="000000"/>
                 </a:solidFill>
@@ -7057,7 +7057,7 @@
           <a:p>
             <a:fld id="{3E1D827B-9946-4E0D-97BA-FFCB17A9AF00}" type="datetimeFigureOut">
               <a:rPr lang="ko-KR" altLang="en-US" smtClean="0"/>
-              <a:t>2023-10-04</a:t>
+              <a:t>2023-11-16</a:t>
             </a:fld>
             <a:endParaRPr lang="ko-KR" altLang="en-US"/>
           </a:p>
@@ -7217,7 +7217,7 @@
           <a:ln/>
           <a:extLst>
             <a:ext uri="{91240B29-F687-4f45-9708-019B960494DF}">
-              <a14:hiddenLine xmlns:a14="http://schemas.microsoft.com/office/drawing/2010/main" xmlns="" w="9525">
+              <a14:hiddenLine xmlns="" xmlns:a14="http://schemas.microsoft.com/office/drawing/2010/main" w="9525">
                 <a:solidFill>
                   <a:srgbClr val="000000"/>
                 </a:solidFill>
@@ -7539,7 +7539,7 @@
           <a:p>
             <a:fld id="{3E1D827B-9946-4E0D-97BA-FFCB17A9AF00}" type="datetimeFigureOut">
               <a:rPr lang="ko-KR" altLang="en-US" smtClean="0"/>
-              <a:t>2023-10-04</a:t>
+              <a:t>2023-11-16</a:t>
             </a:fld>
             <a:endParaRPr lang="ko-KR" altLang="en-US"/>
           </a:p>
@@ -7699,7 +7699,7 @@
           <a:ln/>
           <a:extLst>
             <a:ext uri="{91240B29-F687-4f45-9708-019B960494DF}">
-              <a14:hiddenLine xmlns:a14="http://schemas.microsoft.com/office/drawing/2010/main" xmlns="" w="9525">
+              <a14:hiddenLine xmlns="" xmlns:a14="http://schemas.microsoft.com/office/drawing/2010/main" w="9525">
                 <a:solidFill>
                   <a:srgbClr val="000000"/>
                 </a:solidFill>
@@ -7765,7 +7765,7 @@
           <a:p>
             <a:fld id="{3E1D827B-9946-4E0D-97BA-FFCB17A9AF00}" type="datetimeFigureOut">
               <a:rPr lang="ko-KR" altLang="en-US" smtClean="0"/>
-              <a:t>2023-10-04</a:t>
+              <a:t>2023-11-16</a:t>
             </a:fld>
             <a:endParaRPr lang="ko-KR" altLang="en-US"/>
           </a:p>
@@ -7860,7 +7860,7 @@
           <a:p>
             <a:fld id="{3E1D827B-9946-4E0D-97BA-FFCB17A9AF00}" type="datetimeFigureOut">
               <a:rPr lang="ko-KR" altLang="en-US" smtClean="0"/>
-              <a:t>2023-10-04</a:t>
+              <a:t>2023-11-16</a:t>
             </a:fld>
             <a:endParaRPr lang="ko-KR" altLang="en-US"/>
           </a:p>
@@ -8128,7 +8128,7 @@
           <a:ln/>
           <a:extLst>
             <a:ext uri="{91240B29-F687-4f45-9708-019B960494DF}">
-              <a14:hiddenLine xmlns:a14="http://schemas.microsoft.com/office/drawing/2010/main" xmlns="" w="9525">
+              <a14:hiddenLine xmlns="" xmlns:a14="http://schemas.microsoft.com/office/drawing/2010/main" w="9525">
                 <a:solidFill>
                   <a:srgbClr val="000000"/>
                 </a:solidFill>
@@ -8327,7 +8327,7 @@
           <a:p>
             <a:fld id="{3E1D827B-9946-4E0D-97BA-FFCB17A9AF00}" type="datetimeFigureOut">
               <a:rPr lang="ko-KR" altLang="en-US" smtClean="0"/>
-              <a:t>2023-10-04</a:t>
+              <a:t>2023-11-16</a:t>
             </a:fld>
             <a:endParaRPr lang="ko-KR" altLang="en-US"/>
           </a:p>
@@ -8645,7 +8645,7 @@
           <a:p>
             <a:fld id="{3E1D827B-9946-4E0D-97BA-FFCB17A9AF00}" type="datetimeFigureOut">
               <a:rPr lang="ko-KR" altLang="en-US" smtClean="0"/>
-              <a:t>2023-10-04</a:t>
+              <a:t>2023-11-16</a:t>
             </a:fld>
             <a:endParaRPr lang="ko-KR" altLang="en-US"/>
           </a:p>
@@ -8915,7 +8915,7 @@
           <a:p>
             <a:fld id="{3E1D827B-9946-4E0D-97BA-FFCB17A9AF00}" type="datetimeFigureOut">
               <a:rPr lang="ko-KR" altLang="en-US" smtClean="0"/>
-              <a:t>2023-10-04</a:t>
+              <a:t>2023-11-16</a:t>
             </a:fld>
             <a:endParaRPr lang="ko-KR" altLang="en-US"/>
           </a:p>
@@ -10016,7 +10016,7 @@
             <a:pPr algn="ctr"/>
             <a:r>
               <a:rPr lang="en-US" altLang="ko-KR" sz="1100" dirty="0"/>
-              <a:t>[REMOVE ~ REMOVE]</a:t>
+              <a:t>[REMOVE ~]</a:t>
             </a:r>
           </a:p>
         </p:txBody>

--- a/DsDotNet/src/UnitTest/UnitTest.Model/ImportOfficeExample/Sample/Lib/Conveyor/CVRemove.pptx
+++ b/DsDotNet/src/UnitTest/UnitTest.Model/ImportOfficeExample/Sample/Lib/Conveyor/CVRemove.pptx
@@ -4002,7 +4002,7 @@
           <a:effectLst/>
           <a:extLst>
             <a:ext uri="{91240B29-F687-4f45-9708-019B960494DF}">
-              <a14:hiddenLine xmlns="" xmlns:a14="http://schemas.microsoft.com/office/drawing/2010/main" w="9525">
+              <a14:hiddenLine xmlns:a14="http://schemas.microsoft.com/office/drawing/2010/main" xmlns="" w="9525">
                 <a:solidFill>
                   <a:srgbClr val="000000"/>
                 </a:solidFill>
@@ -4194,7 +4194,7 @@
           <a:p>
             <a:fld id="{3E1D827B-9946-4E0D-97BA-FFCB17A9AF00}" type="datetimeFigureOut">
               <a:rPr lang="ko-KR" altLang="en-US" smtClean="0"/>
-              <a:t>2023-11-16</a:t>
+              <a:t>2023-11-22</a:t>
             </a:fld>
             <a:endParaRPr lang="ko-KR" altLang="en-US"/>
           </a:p>
@@ -4512,7 +4512,7 @@
           <a:p>
             <a:fld id="{3E1D827B-9946-4E0D-97BA-FFCB17A9AF00}" type="datetimeFigureOut">
               <a:rPr lang="ko-KR" altLang="en-US" smtClean="0"/>
-              <a:t>2023-11-16</a:t>
+              <a:t>2023-11-22</a:t>
             </a:fld>
             <a:endParaRPr lang="ko-KR" altLang="en-US"/>
           </a:p>
@@ -5000,7 +5000,7 @@
           <a:p>
             <a:fld id="{3E1D827B-9946-4E0D-97BA-FFCB17A9AF00}" type="datetimeFigureOut">
               <a:rPr lang="ko-KR" altLang="en-US" smtClean="0"/>
-              <a:t>2023-11-16</a:t>
+              <a:t>2023-11-22</a:t>
             </a:fld>
             <a:endParaRPr lang="ko-KR" altLang="en-US"/>
           </a:p>
@@ -5369,7 +5369,7 @@
           <a:p>
             <a:fld id="{3E1D827B-9946-4E0D-97BA-FFCB17A9AF00}" type="datetimeFigureOut">
               <a:rPr lang="ko-KR" altLang="en-US" smtClean="0"/>
-              <a:t>2023-11-16</a:t>
+              <a:t>2023-11-22</a:t>
             </a:fld>
             <a:endParaRPr lang="ko-KR" altLang="en-US"/>
           </a:p>
@@ -5524,7 +5524,7 @@
           <a:ln/>
           <a:extLst>
             <a:ext uri="{91240B29-F687-4f45-9708-019B960494DF}">
-              <a14:hiddenLine xmlns="" xmlns:a14="http://schemas.microsoft.com/office/drawing/2010/main" w="9525">
+              <a14:hiddenLine xmlns:a14="http://schemas.microsoft.com/office/drawing/2010/main" xmlns="" w="9525">
                 <a:solidFill>
                   <a:srgbClr val="000000"/>
                 </a:solidFill>
@@ -5642,7 +5642,7 @@
           <a:p>
             <a:fld id="{3E1D827B-9946-4E0D-97BA-FFCB17A9AF00}" type="datetimeFigureOut">
               <a:rPr lang="ko-KR" altLang="en-US" smtClean="0"/>
-              <a:t>2023-11-16</a:t>
+              <a:t>2023-11-22</a:t>
             </a:fld>
             <a:endParaRPr lang="ko-KR" altLang="en-US"/>
           </a:p>
@@ -5799,7 +5799,7 @@
           <a:ln/>
           <a:extLst>
             <a:ext uri="{91240B29-F687-4f45-9708-019B960494DF}">
-              <a14:hiddenLine xmlns="" xmlns:a14="http://schemas.microsoft.com/office/drawing/2010/main" w="9525">
+              <a14:hiddenLine xmlns:a14="http://schemas.microsoft.com/office/drawing/2010/main" xmlns="" w="9525">
                 <a:solidFill>
                   <a:srgbClr val="000000"/>
                 </a:solidFill>
@@ -5927,7 +5927,7 @@
           <a:p>
             <a:fld id="{3E1D827B-9946-4E0D-97BA-FFCB17A9AF00}" type="datetimeFigureOut">
               <a:rPr lang="ko-KR" altLang="en-US" smtClean="0"/>
-              <a:t>2023-11-16</a:t>
+              <a:t>2023-11-22</a:t>
             </a:fld>
             <a:endParaRPr lang="ko-KR" altLang="en-US"/>
           </a:p>
@@ -6022,7 +6022,7 @@
           <a:p>
             <a:fld id="{3E1D827B-9946-4E0D-97BA-FFCB17A9AF00}" type="datetimeFigureOut">
               <a:rPr lang="ko-KR" altLang="en-US" smtClean="0"/>
-              <a:t>2023-11-16</a:t>
+              <a:t>2023-11-22</a:t>
             </a:fld>
             <a:endParaRPr lang="ko-KR" altLang="en-US"/>
           </a:p>
@@ -6247,7 +6247,7 @@
           <a:ln/>
           <a:extLst>
             <a:ext uri="{91240B29-F687-4f45-9708-019B960494DF}">
-              <a14:hiddenLine xmlns="" xmlns:a14="http://schemas.microsoft.com/office/drawing/2010/main" w="9525">
+              <a14:hiddenLine xmlns:a14="http://schemas.microsoft.com/office/drawing/2010/main" xmlns="" w="9525">
                 <a:solidFill>
                   <a:srgbClr val="000000"/>
                 </a:solidFill>
@@ -6375,7 +6375,7 @@
           <a:p>
             <a:fld id="{3E1D827B-9946-4E0D-97BA-FFCB17A9AF00}" type="datetimeFigureOut">
               <a:rPr lang="ko-KR" altLang="en-US" smtClean="0"/>
-              <a:t>2023-11-16</a:t>
+              <a:t>2023-11-22</a:t>
             </a:fld>
             <a:endParaRPr lang="ko-KR" altLang="en-US"/>
           </a:p>
@@ -6718,7 +6718,7 @@
           <a:p>
             <a:fld id="{3E1D827B-9946-4E0D-97BA-FFCB17A9AF00}" type="datetimeFigureOut">
               <a:rPr lang="ko-KR" altLang="en-US" smtClean="0"/>
-              <a:t>2023-11-16</a:t>
+              <a:t>2023-11-22</a:t>
             </a:fld>
             <a:endParaRPr lang="ko-KR" altLang="en-US"/>
           </a:p>
@@ -6873,7 +6873,7 @@
           <a:ln/>
           <a:extLst>
             <a:ext uri="{91240B29-F687-4f45-9708-019B960494DF}">
-              <a14:hiddenLine xmlns="" xmlns:a14="http://schemas.microsoft.com/office/drawing/2010/main" w="9525">
+              <a14:hiddenLine xmlns:a14="http://schemas.microsoft.com/office/drawing/2010/main" xmlns="" w="9525">
                 <a:solidFill>
                   <a:srgbClr val="000000"/>
                 </a:solidFill>
@@ -7057,7 +7057,7 @@
           <a:p>
             <a:fld id="{3E1D827B-9946-4E0D-97BA-FFCB17A9AF00}" type="datetimeFigureOut">
               <a:rPr lang="ko-KR" altLang="en-US" smtClean="0"/>
-              <a:t>2023-11-16</a:t>
+              <a:t>2023-11-22</a:t>
             </a:fld>
             <a:endParaRPr lang="ko-KR" altLang="en-US"/>
           </a:p>
@@ -7217,7 +7217,7 @@
           <a:ln/>
           <a:extLst>
             <a:ext uri="{91240B29-F687-4f45-9708-019B960494DF}">
-              <a14:hiddenLine xmlns="" xmlns:a14="http://schemas.microsoft.com/office/drawing/2010/main" w="9525">
+              <a14:hiddenLine xmlns:a14="http://schemas.microsoft.com/office/drawing/2010/main" xmlns="" w="9525">
                 <a:solidFill>
                   <a:srgbClr val="000000"/>
                 </a:solidFill>
@@ -7539,7 +7539,7 @@
           <a:p>
             <a:fld id="{3E1D827B-9946-4E0D-97BA-FFCB17A9AF00}" type="datetimeFigureOut">
               <a:rPr lang="ko-KR" altLang="en-US" smtClean="0"/>
-              <a:t>2023-11-16</a:t>
+              <a:t>2023-11-22</a:t>
             </a:fld>
             <a:endParaRPr lang="ko-KR" altLang="en-US"/>
           </a:p>
@@ -7699,7 +7699,7 @@
           <a:ln/>
           <a:extLst>
             <a:ext uri="{91240B29-F687-4f45-9708-019B960494DF}">
-              <a14:hiddenLine xmlns="" xmlns:a14="http://schemas.microsoft.com/office/drawing/2010/main" w="9525">
+              <a14:hiddenLine xmlns:a14="http://schemas.microsoft.com/office/drawing/2010/main" xmlns="" w="9525">
                 <a:solidFill>
                   <a:srgbClr val="000000"/>
                 </a:solidFill>
@@ -7765,7 +7765,7 @@
           <a:p>
             <a:fld id="{3E1D827B-9946-4E0D-97BA-FFCB17A9AF00}" type="datetimeFigureOut">
               <a:rPr lang="ko-KR" altLang="en-US" smtClean="0"/>
-              <a:t>2023-11-16</a:t>
+              <a:t>2023-11-22</a:t>
             </a:fld>
             <a:endParaRPr lang="ko-KR" altLang="en-US"/>
           </a:p>
@@ -7860,7 +7860,7 @@
           <a:p>
             <a:fld id="{3E1D827B-9946-4E0D-97BA-FFCB17A9AF00}" type="datetimeFigureOut">
               <a:rPr lang="ko-KR" altLang="en-US" smtClean="0"/>
-              <a:t>2023-11-16</a:t>
+              <a:t>2023-11-22</a:t>
             </a:fld>
             <a:endParaRPr lang="ko-KR" altLang="en-US"/>
           </a:p>
@@ -8128,7 +8128,7 @@
           <a:ln/>
           <a:extLst>
             <a:ext uri="{91240B29-F687-4f45-9708-019B960494DF}">
-              <a14:hiddenLine xmlns="" xmlns:a14="http://schemas.microsoft.com/office/drawing/2010/main" w="9525">
+              <a14:hiddenLine xmlns:a14="http://schemas.microsoft.com/office/drawing/2010/main" xmlns="" w="9525">
                 <a:solidFill>
                   <a:srgbClr val="000000"/>
                 </a:solidFill>
@@ -8327,7 +8327,7 @@
           <a:p>
             <a:fld id="{3E1D827B-9946-4E0D-97BA-FFCB17A9AF00}" type="datetimeFigureOut">
               <a:rPr lang="ko-KR" altLang="en-US" smtClean="0"/>
-              <a:t>2023-11-16</a:t>
+              <a:t>2023-11-22</a:t>
             </a:fld>
             <a:endParaRPr lang="ko-KR" altLang="en-US"/>
           </a:p>
@@ -8645,7 +8645,7 @@
           <a:p>
             <a:fld id="{3E1D827B-9946-4E0D-97BA-FFCB17A9AF00}" type="datetimeFigureOut">
               <a:rPr lang="ko-KR" altLang="en-US" smtClean="0"/>
-              <a:t>2023-11-16</a:t>
+              <a:t>2023-11-22</a:t>
             </a:fld>
             <a:endParaRPr lang="ko-KR" altLang="en-US"/>
           </a:p>
@@ -8915,7 +8915,7 @@
           <a:p>
             <a:fld id="{3E1D827B-9946-4E0D-97BA-FFCB17A9AF00}" type="datetimeFigureOut">
               <a:rPr lang="ko-KR" altLang="en-US" smtClean="0"/>
-              <a:t>2023-11-16</a:t>
+              <a:t>2023-11-22</a:t>
             </a:fld>
             <a:endParaRPr lang="ko-KR" altLang="en-US"/>
           </a:p>
@@ -9497,7 +9497,7 @@
         </p:nvSpPr>
         <p:spPr>
           <a:xfrm>
-            <a:off x="253376" y="104588"/>
+            <a:off x="295321" y="3167953"/>
             <a:ext cx="2422712" cy="600087"/>
           </a:xfrm>
           <a:prstGeom prst="homePlate">
@@ -9973,7 +9973,7 @@
         </p:nvSpPr>
         <p:spPr>
           <a:xfrm>
-            <a:off x="253376" y="1539648"/>
+            <a:off x="295321" y="4603013"/>
             <a:ext cx="2422712" cy="600087"/>
           </a:xfrm>
           <a:prstGeom prst="homePlate">

--- a/DsDotNet/src/UnitTest/UnitTest.Model/ImportOfficeExample/Sample/Lib/Conveyor/CVRemove.pptx
+++ b/DsDotNet/src/UnitTest/UnitTest.Model/ImportOfficeExample/Sample/Lib/Conveyor/CVRemove.pptx
@@ -4002,7 +4002,7 @@
           <a:effectLst/>
           <a:extLst>
             <a:ext uri="{91240B29-F687-4f45-9708-019B960494DF}">
-              <a14:hiddenLine xmlns:a14="http://schemas.microsoft.com/office/drawing/2010/main" xmlns="" w="9525">
+              <a14:hiddenLine xmlns="" xmlns:a14="http://schemas.microsoft.com/office/drawing/2010/main" w="9525">
                 <a:solidFill>
                   <a:srgbClr val="000000"/>
                 </a:solidFill>
@@ -4194,7 +4194,7 @@
           <a:p>
             <a:fld id="{3E1D827B-9946-4E0D-97BA-FFCB17A9AF00}" type="datetimeFigureOut">
               <a:rPr lang="ko-KR" altLang="en-US" smtClean="0"/>
-              <a:t>2023-11-22</a:t>
+              <a:t>2024-02-07</a:t>
             </a:fld>
             <a:endParaRPr lang="ko-KR" altLang="en-US"/>
           </a:p>
@@ -4512,7 +4512,7 @@
           <a:p>
             <a:fld id="{3E1D827B-9946-4E0D-97BA-FFCB17A9AF00}" type="datetimeFigureOut">
               <a:rPr lang="ko-KR" altLang="en-US" smtClean="0"/>
-              <a:t>2023-11-22</a:t>
+              <a:t>2024-02-07</a:t>
             </a:fld>
             <a:endParaRPr lang="ko-KR" altLang="en-US"/>
           </a:p>
@@ -5000,7 +5000,7 @@
           <a:p>
             <a:fld id="{3E1D827B-9946-4E0D-97BA-FFCB17A9AF00}" type="datetimeFigureOut">
               <a:rPr lang="ko-KR" altLang="en-US" smtClean="0"/>
-              <a:t>2023-11-22</a:t>
+              <a:t>2024-02-07</a:t>
             </a:fld>
             <a:endParaRPr lang="ko-KR" altLang="en-US"/>
           </a:p>
@@ -5369,7 +5369,7 @@
           <a:p>
             <a:fld id="{3E1D827B-9946-4E0D-97BA-FFCB17A9AF00}" type="datetimeFigureOut">
               <a:rPr lang="ko-KR" altLang="en-US" smtClean="0"/>
-              <a:t>2023-11-22</a:t>
+              <a:t>2024-02-07</a:t>
             </a:fld>
             <a:endParaRPr lang="ko-KR" altLang="en-US"/>
           </a:p>
@@ -5524,7 +5524,7 @@
           <a:ln/>
           <a:extLst>
             <a:ext uri="{91240B29-F687-4f45-9708-019B960494DF}">
-              <a14:hiddenLine xmlns:a14="http://schemas.microsoft.com/office/drawing/2010/main" xmlns="" w="9525">
+              <a14:hiddenLine xmlns="" xmlns:a14="http://schemas.microsoft.com/office/drawing/2010/main" w="9525">
                 <a:solidFill>
                   <a:srgbClr val="000000"/>
                 </a:solidFill>
@@ -5642,7 +5642,7 @@
           <a:p>
             <a:fld id="{3E1D827B-9946-4E0D-97BA-FFCB17A9AF00}" type="datetimeFigureOut">
               <a:rPr lang="ko-KR" altLang="en-US" smtClean="0"/>
-              <a:t>2023-11-22</a:t>
+              <a:t>2024-02-07</a:t>
             </a:fld>
             <a:endParaRPr lang="ko-KR" altLang="en-US"/>
           </a:p>
@@ -5799,7 +5799,7 @@
           <a:ln/>
           <a:extLst>
             <a:ext uri="{91240B29-F687-4f45-9708-019B960494DF}">
-              <a14:hiddenLine xmlns:a14="http://schemas.microsoft.com/office/drawing/2010/main" xmlns="" w="9525">
+              <a14:hiddenLine xmlns="" xmlns:a14="http://schemas.microsoft.com/office/drawing/2010/main" w="9525">
                 <a:solidFill>
                   <a:srgbClr val="000000"/>
                 </a:solidFill>
@@ -5927,7 +5927,7 @@
           <a:p>
             <a:fld id="{3E1D827B-9946-4E0D-97BA-FFCB17A9AF00}" type="datetimeFigureOut">
               <a:rPr lang="ko-KR" altLang="en-US" smtClean="0"/>
-              <a:t>2023-11-22</a:t>
+              <a:t>2024-02-07</a:t>
             </a:fld>
             <a:endParaRPr lang="ko-KR" altLang="en-US"/>
           </a:p>
@@ -6022,7 +6022,7 @@
           <a:p>
             <a:fld id="{3E1D827B-9946-4E0D-97BA-FFCB17A9AF00}" type="datetimeFigureOut">
               <a:rPr lang="ko-KR" altLang="en-US" smtClean="0"/>
-              <a:t>2023-11-22</a:t>
+              <a:t>2024-02-07</a:t>
             </a:fld>
             <a:endParaRPr lang="ko-KR" altLang="en-US"/>
           </a:p>
@@ -6247,7 +6247,7 @@
           <a:ln/>
           <a:extLst>
             <a:ext uri="{91240B29-F687-4f45-9708-019B960494DF}">
-              <a14:hiddenLine xmlns:a14="http://schemas.microsoft.com/office/drawing/2010/main" xmlns="" w="9525">
+              <a14:hiddenLine xmlns="" xmlns:a14="http://schemas.microsoft.com/office/drawing/2010/main" w="9525">
                 <a:solidFill>
                   <a:srgbClr val="000000"/>
                 </a:solidFill>
@@ -6375,7 +6375,7 @@
           <a:p>
             <a:fld id="{3E1D827B-9946-4E0D-97BA-FFCB17A9AF00}" type="datetimeFigureOut">
               <a:rPr lang="ko-KR" altLang="en-US" smtClean="0"/>
-              <a:t>2023-11-22</a:t>
+              <a:t>2024-02-07</a:t>
             </a:fld>
             <a:endParaRPr lang="ko-KR" altLang="en-US"/>
           </a:p>
@@ -6718,7 +6718,7 @@
           <a:p>
             <a:fld id="{3E1D827B-9946-4E0D-97BA-FFCB17A9AF00}" type="datetimeFigureOut">
               <a:rPr lang="ko-KR" altLang="en-US" smtClean="0"/>
-              <a:t>2023-11-22</a:t>
+              <a:t>2024-02-07</a:t>
             </a:fld>
             <a:endParaRPr lang="ko-KR" altLang="en-US"/>
           </a:p>
@@ -6873,7 +6873,7 @@
           <a:ln/>
           <a:extLst>
             <a:ext uri="{91240B29-F687-4f45-9708-019B960494DF}">
-              <a14:hiddenLine xmlns:a14="http://schemas.microsoft.com/office/drawing/2010/main" xmlns="" w="9525">
+              <a14:hiddenLine xmlns="" xmlns:a14="http://schemas.microsoft.com/office/drawing/2010/main" w="9525">
                 <a:solidFill>
                   <a:srgbClr val="000000"/>
                 </a:solidFill>
@@ -7057,7 +7057,7 @@
           <a:p>
             <a:fld id="{3E1D827B-9946-4E0D-97BA-FFCB17A9AF00}" type="datetimeFigureOut">
               <a:rPr lang="ko-KR" altLang="en-US" smtClean="0"/>
-              <a:t>2023-11-22</a:t>
+              <a:t>2024-02-07</a:t>
             </a:fld>
             <a:endParaRPr lang="ko-KR" altLang="en-US"/>
           </a:p>
@@ -7217,7 +7217,7 @@
           <a:ln/>
           <a:extLst>
             <a:ext uri="{91240B29-F687-4f45-9708-019B960494DF}">
-              <a14:hiddenLine xmlns:a14="http://schemas.microsoft.com/office/drawing/2010/main" xmlns="" w="9525">
+              <a14:hiddenLine xmlns="" xmlns:a14="http://schemas.microsoft.com/office/drawing/2010/main" w="9525">
                 <a:solidFill>
                   <a:srgbClr val="000000"/>
                 </a:solidFill>
@@ -7539,7 +7539,7 @@
           <a:p>
             <a:fld id="{3E1D827B-9946-4E0D-97BA-FFCB17A9AF00}" type="datetimeFigureOut">
               <a:rPr lang="ko-KR" altLang="en-US" smtClean="0"/>
-              <a:t>2023-11-22</a:t>
+              <a:t>2024-02-07</a:t>
             </a:fld>
             <a:endParaRPr lang="ko-KR" altLang="en-US"/>
           </a:p>
@@ -7699,7 +7699,7 @@
           <a:ln/>
           <a:extLst>
             <a:ext uri="{91240B29-F687-4f45-9708-019B960494DF}">
-              <a14:hiddenLine xmlns:a14="http://schemas.microsoft.com/office/drawing/2010/main" xmlns="" w="9525">
+              <a14:hiddenLine xmlns="" xmlns:a14="http://schemas.microsoft.com/office/drawing/2010/main" w="9525">
                 <a:solidFill>
                   <a:srgbClr val="000000"/>
                 </a:solidFill>
@@ -7765,7 +7765,7 @@
           <a:p>
             <a:fld id="{3E1D827B-9946-4E0D-97BA-FFCB17A9AF00}" type="datetimeFigureOut">
               <a:rPr lang="ko-KR" altLang="en-US" smtClean="0"/>
-              <a:t>2023-11-22</a:t>
+              <a:t>2024-02-07</a:t>
             </a:fld>
             <a:endParaRPr lang="ko-KR" altLang="en-US"/>
           </a:p>
@@ -7860,7 +7860,7 @@
           <a:p>
             <a:fld id="{3E1D827B-9946-4E0D-97BA-FFCB17A9AF00}" type="datetimeFigureOut">
               <a:rPr lang="ko-KR" altLang="en-US" smtClean="0"/>
-              <a:t>2023-11-22</a:t>
+              <a:t>2024-02-07</a:t>
             </a:fld>
             <a:endParaRPr lang="ko-KR" altLang="en-US"/>
           </a:p>
@@ -8128,7 +8128,7 @@
           <a:ln/>
           <a:extLst>
             <a:ext uri="{91240B29-F687-4f45-9708-019B960494DF}">
-              <a14:hiddenLine xmlns:a14="http://schemas.microsoft.com/office/drawing/2010/main" xmlns="" w="9525">
+              <a14:hiddenLine xmlns="" xmlns:a14="http://schemas.microsoft.com/office/drawing/2010/main" w="9525">
                 <a:solidFill>
                   <a:srgbClr val="000000"/>
                 </a:solidFill>
@@ -8327,7 +8327,7 @@
           <a:p>
             <a:fld id="{3E1D827B-9946-4E0D-97BA-FFCB17A9AF00}" type="datetimeFigureOut">
               <a:rPr lang="ko-KR" altLang="en-US" smtClean="0"/>
-              <a:t>2023-11-22</a:t>
+              <a:t>2024-02-07</a:t>
             </a:fld>
             <a:endParaRPr lang="ko-KR" altLang="en-US"/>
           </a:p>
@@ -8645,7 +8645,7 @@
           <a:p>
             <a:fld id="{3E1D827B-9946-4E0D-97BA-FFCB17A9AF00}" type="datetimeFigureOut">
               <a:rPr lang="ko-KR" altLang="en-US" smtClean="0"/>
-              <a:t>2023-11-22</a:t>
+              <a:t>2024-02-07</a:t>
             </a:fld>
             <a:endParaRPr lang="ko-KR" altLang="en-US"/>
           </a:p>
@@ -8915,7 +8915,7 @@
           <a:p>
             <a:fld id="{3E1D827B-9946-4E0D-97BA-FFCB17A9AF00}" type="datetimeFigureOut">
               <a:rPr lang="ko-KR" altLang="en-US" smtClean="0"/>
-              <a:t>2023-11-22</a:t>
+              <a:t>2024-02-07</a:t>
             </a:fld>
             <a:endParaRPr lang="ko-KR" altLang="en-US"/>
           </a:p>
@@ -9953,7 +9953,7 @@
           <a:p>
             <a:pPr algn="ctr"/>
             <a:r>
-              <a:rPr lang="en-US" altLang="ko-KR" sz="1800" dirty="0"/>
+              <a:rPr lang="en-US" altLang="ko-KR" sz="1800" u="sng" dirty="0"/>
               <a:t>REMOVE</a:t>
             </a:r>
           </a:p>
